--- a/src/resources/Datenfluss-Gesamt-Grob.pptx
+++ b/src/resources/Datenfluss-Gesamt-Grob.pptx
@@ -3336,7 +3336,7 @@
         </p:nvSpPr>
         <p:spPr>
           <a:xfrm>
-            <a:off x="1842286" y="3122195"/>
+            <a:off x="1868870" y="3076080"/>
             <a:ext cx="1581150" cy="578419"/>
           </a:xfrm>
           <a:prstGeom prst="rect">
@@ -3379,7 +3379,7 @@
         </p:nvSpPr>
         <p:spPr>
           <a:xfrm>
-            <a:off x="4981588" y="3138613"/>
+            <a:off x="5008172" y="3092498"/>
             <a:ext cx="1581150" cy="578419"/>
           </a:xfrm>
           <a:prstGeom prst="rect">
@@ -3422,7 +3422,7 @@
         </p:nvSpPr>
         <p:spPr>
           <a:xfrm>
-            <a:off x="8115152" y="3123022"/>
+            <a:off x="8141736" y="3076907"/>
             <a:ext cx="1581150" cy="578419"/>
           </a:xfrm>
           <a:prstGeom prst="rect">
@@ -3465,7 +3465,7 @@
         </p:nvCxnSpPr>
         <p:spPr>
           <a:xfrm>
-            <a:off x="6668974" y="3427822"/>
+            <a:off x="6695558" y="3381707"/>
             <a:ext cx="1335437" cy="0"/>
           </a:xfrm>
           <a:prstGeom prst="straightConnector1">
@@ -3568,7 +3568,7 @@
         </p:nvSpPr>
         <p:spPr>
           <a:xfrm>
-            <a:off x="3749240" y="2967335"/>
+            <a:off x="3766004" y="2921220"/>
             <a:ext cx="920445" cy="461665"/>
           </a:xfrm>
           <a:prstGeom prst="rect">
@@ -3598,7 +3598,7 @@
         </p:nvSpPr>
         <p:spPr>
           <a:xfrm>
-            <a:off x="6715697" y="2967335"/>
+            <a:off x="6742281" y="2921220"/>
             <a:ext cx="1246495" cy="461665"/>
           </a:xfrm>
           <a:prstGeom prst="rect">
@@ -3628,7 +3628,7 @@
         </p:nvCxnSpPr>
         <p:spPr>
           <a:xfrm>
-            <a:off x="3611922" y="3429000"/>
+            <a:off x="3556174" y="3382885"/>
             <a:ext cx="1335437" cy="0"/>
           </a:xfrm>
           <a:prstGeom prst="straightConnector1">
@@ -3661,7 +3661,7 @@
         </p:nvSpPr>
         <p:spPr>
           <a:xfrm>
-            <a:off x="10776520" y="2404805"/>
+            <a:off x="10765326" y="2404805"/>
             <a:ext cx="1419604" cy="2064223"/>
           </a:xfrm>
           <a:prstGeom prst="roundRect">
